--- a/MIR Fianl Presentation.pptx
+++ b/MIR Fianl Presentation.pptx
@@ -13,6 +13,8 @@
     <p:sldId id="259" r:id="rId7"/>
     <p:sldId id="262" r:id="rId8"/>
     <p:sldId id="261" r:id="rId9"/>
+    <p:sldId id="264" r:id="rId10"/>
+    <p:sldId id="265" r:id="rId11"/>
   </p:sldIdLst>
   <p:sldSz cx="12192000" cy="6858000"/>
   <p:notesSz cx="6858000" cy="9144000"/>
@@ -111,6 +113,11 @@
       </a:defRPr>
     </a:lvl9pPr>
   </p:defaultTextStyle>
+  <p:extLst>
+    <p:ext uri="{EFAFB233-063F-42B5-8137-9DF3F51BA10A}">
+      <p15:sldGuideLst xmlns:p15="http://schemas.microsoft.com/office/powerpoint/2012/main"/>
+    </p:ext>
+  </p:extLst>
 </p:presentation>
 </file>
 
@@ -837,7 +844,7 @@
             <a:fld id="{B61BEF0D-F0BB-DE4B-95CE-6DB70DBA9567}" type="datetimeFigureOut">
               <a:rPr lang="en-US" dirty="0"/>
               <a:pPr/>
-              <a:t>6/13/19</a:t>
+              <a:t>6/16/19</a:t>
             </a:fld>
             <a:endParaRPr lang="en-US" dirty="0"/>
           </a:p>
@@ -1085,7 +1092,7 @@
             <a:fld id="{B61BEF0D-F0BB-DE4B-95CE-6DB70DBA9567}" type="datetimeFigureOut">
               <a:rPr lang="en-US" dirty="0"/>
               <a:pPr/>
-              <a:t>6/13/19</a:t>
+              <a:t>6/16/19</a:t>
             </a:fld>
             <a:endParaRPr lang="en-US" dirty="0"/>
           </a:p>
@@ -1396,7 +1403,7 @@
             <a:fld id="{B61BEF0D-F0BB-DE4B-95CE-6DB70DBA9567}" type="datetimeFigureOut">
               <a:rPr lang="en-US" dirty="0"/>
               <a:pPr/>
-              <a:t>6/13/19</a:t>
+              <a:t>6/16/19</a:t>
             </a:fld>
             <a:endParaRPr lang="en-US" dirty="0"/>
           </a:p>
@@ -1734,7 +1741,7 @@
             <a:fld id="{B61BEF0D-F0BB-DE4B-95CE-6DB70DBA9567}" type="datetimeFigureOut">
               <a:rPr lang="en-US" dirty="0"/>
               <a:pPr/>
-              <a:t>6/13/19</a:t>
+              <a:t>6/16/19</a:t>
             </a:fld>
             <a:endParaRPr lang="en-US" dirty="0"/>
           </a:p>
@@ -2045,7 +2052,7 @@
             <a:fld id="{B61BEF0D-F0BB-DE4B-95CE-6DB70DBA9567}" type="datetimeFigureOut">
               <a:rPr lang="en-US" dirty="0"/>
               <a:pPr/>
-              <a:t>6/13/19</a:t>
+              <a:t>6/16/19</a:t>
             </a:fld>
             <a:endParaRPr lang="en-US" dirty="0"/>
           </a:p>
@@ -2435,7 +2442,7 @@
             <a:fld id="{B61BEF0D-F0BB-DE4B-95CE-6DB70DBA9567}" type="datetimeFigureOut">
               <a:rPr lang="en-US" dirty="0"/>
               <a:pPr/>
-              <a:t>6/13/19</a:t>
+              <a:t>6/16/19</a:t>
             </a:fld>
             <a:endParaRPr lang="en-US" dirty="0"/>
           </a:p>
@@ -2601,7 +2608,7 @@
           <a:p>
             <a:fld id="{55C6B4A9-1611-4792-9094-5F34BCA07E0B}" type="datetimeFigureOut">
               <a:rPr lang="en-US" dirty="0"/>
-              <a:t>6/13/19</a:t>
+              <a:t>6/16/19</a:t>
             </a:fld>
             <a:endParaRPr lang="en-US" dirty="0"/>
           </a:p>
@@ -2777,7 +2784,7 @@
             <a:fld id="{B61BEF0D-F0BB-DE4B-95CE-6DB70DBA9567}" type="datetimeFigureOut">
               <a:rPr lang="en-US" dirty="0"/>
               <a:pPr/>
-              <a:t>6/13/19</a:t>
+              <a:t>6/16/19</a:t>
             </a:fld>
             <a:endParaRPr lang="en-US" dirty="0"/>
           </a:p>
@@ -2950,7 +2957,7 @@
             <a:fld id="{B61BEF0D-F0BB-DE4B-95CE-6DB70DBA9567}" type="datetimeFigureOut">
               <a:rPr lang="en-US" dirty="0"/>
               <a:pPr/>
-              <a:t>6/13/19</a:t>
+              <a:t>6/16/19</a:t>
             </a:fld>
             <a:endParaRPr lang="en-US" dirty="0"/>
           </a:p>
@@ -3194,7 +3201,7 @@
             <a:fld id="{B61BEF0D-F0BB-DE4B-95CE-6DB70DBA9567}" type="datetimeFigureOut">
               <a:rPr lang="en-US" dirty="0"/>
               <a:pPr/>
-              <a:t>6/13/19</a:t>
+              <a:t>6/16/19</a:t>
             </a:fld>
             <a:endParaRPr lang="en-US" dirty="0"/>
           </a:p>
@@ -3422,7 +3429,7 @@
           <a:p>
             <a:fld id="{EB712588-04B1-427B-82EE-E8DB90309F08}" type="datetimeFigureOut">
               <a:rPr lang="en-US" dirty="0"/>
-              <a:t>6/13/19</a:t>
+              <a:t>6/16/19</a:t>
             </a:fld>
             <a:endParaRPr lang="en-US" dirty="0"/>
           </a:p>
@@ -3792,7 +3799,7 @@
             <a:fld id="{B61BEF0D-F0BB-DE4B-95CE-6DB70DBA9567}" type="datetimeFigureOut">
               <a:rPr lang="en-US" dirty="0"/>
               <a:pPr/>
-              <a:t>6/13/19</a:t>
+              <a:t>6/16/19</a:t>
             </a:fld>
             <a:endParaRPr lang="en-US" dirty="0"/>
           </a:p>
@@ -3912,7 +3919,7 @@
             <a:fld id="{B61BEF0D-F0BB-DE4B-95CE-6DB70DBA9567}" type="datetimeFigureOut">
               <a:rPr lang="en-US" dirty="0"/>
               <a:pPr/>
-              <a:t>6/13/19</a:t>
+              <a:t>6/16/19</a:t>
             </a:fld>
             <a:endParaRPr lang="en-US" dirty="0"/>
           </a:p>
@@ -4004,7 +4011,7 @@
             <a:fld id="{B61BEF0D-F0BB-DE4B-95CE-6DB70DBA9567}" type="datetimeFigureOut">
               <a:rPr lang="en-US" dirty="0"/>
               <a:pPr/>
-              <a:t>6/13/19</a:t>
+              <a:t>6/16/19</a:t>
             </a:fld>
             <a:endParaRPr lang="en-US" dirty="0"/>
           </a:p>
@@ -4255,7 +4262,7 @@
           <a:p>
             <a:fld id="{42A54C80-263E-416B-A8E0-580EDEADCBDC}" type="datetimeFigureOut">
               <a:rPr lang="en-US" dirty="0"/>
-              <a:t>6/13/19</a:t>
+              <a:t>6/16/19</a:t>
             </a:fld>
             <a:endParaRPr lang="en-US" dirty="0"/>
           </a:p>
@@ -4514,7 +4521,7 @@
             <a:fld id="{B61BEF0D-F0BB-DE4B-95CE-6DB70DBA9567}" type="datetimeFigureOut">
               <a:rPr lang="en-US" dirty="0"/>
               <a:pPr/>
-              <a:t>6/13/19</a:t>
+              <a:t>6/16/19</a:t>
             </a:fld>
             <a:endParaRPr lang="en-US" dirty="0"/>
           </a:p>
@@ -5254,7 +5261,7 @@
             <a:fld id="{B61BEF0D-F0BB-DE4B-95CE-6DB70DBA9567}" type="datetimeFigureOut">
               <a:rPr lang="en-US" dirty="0"/>
               <a:pPr/>
-              <a:t>6/13/19</a:t>
+              <a:t>6/16/19</a:t>
             </a:fld>
             <a:endParaRPr lang="en-US" dirty="0"/>
           </a:p>
@@ -5857,6 +5864,95 @@
 </p:sld>
 </file>
 
+<file path=ppt/slides/slide10.xml><?xml version="1.0" encoding="utf-8"?>
+<p:sld xmlns:a="http://schemas.openxmlformats.org/drawingml/2006/main" xmlns:r="http://schemas.openxmlformats.org/officeDocument/2006/relationships" xmlns:p="http://schemas.openxmlformats.org/presentationml/2006/main">
+  <p:cSld>
+    <p:spTree>
+      <p:nvGrpSpPr>
+        <p:cNvPr id="1" name=""/>
+        <p:cNvGrpSpPr/>
+        <p:nvPr/>
+      </p:nvGrpSpPr>
+      <p:grpSpPr>
+        <a:xfrm>
+          <a:off x="0" y="0"/>
+          <a:ext cx="0" cy="0"/>
+          <a:chOff x="0" y="0"/>
+          <a:chExt cx="0" cy="0"/>
+        </a:xfrm>
+      </p:grpSpPr>
+      <p:sp>
+        <p:nvSpPr>
+          <p:cNvPr id="2" name="標題 1">
+            <a:extLst>
+              <a:ext uri="{FF2B5EF4-FFF2-40B4-BE49-F238E27FC236}">
+                <a16:creationId xmlns:a16="http://schemas.microsoft.com/office/drawing/2014/main" id="{EE55FAD5-9194-2A4F-8EF5-8576C653A72A}"/>
+              </a:ext>
+            </a:extLst>
+          </p:cNvPr>
+          <p:cNvSpPr>
+            <a:spLocks noGrp="1"/>
+          </p:cNvSpPr>
+          <p:nvPr>
+            <p:ph type="title"/>
+          </p:nvPr>
+        </p:nvSpPr>
+        <p:spPr/>
+        <p:txBody>
+          <a:bodyPr/>
+          <a:lstStyle/>
+          <a:p>
+            <a:r>
+              <a:rPr kumimoji="1" lang="en-US" altLang="zh-TW" dirty="0"/>
+              <a:t>Conclusion</a:t>
+            </a:r>
+            <a:endParaRPr kumimoji="1" lang="zh-TW" altLang="en-US" dirty="0"/>
+          </a:p>
+        </p:txBody>
+      </p:sp>
+      <p:sp>
+        <p:nvSpPr>
+          <p:cNvPr id="3" name="內容版面配置區 2">
+            <a:extLst>
+              <a:ext uri="{FF2B5EF4-FFF2-40B4-BE49-F238E27FC236}">
+                <a16:creationId xmlns:a16="http://schemas.microsoft.com/office/drawing/2014/main" id="{E389E9F3-5BDF-094D-9FF6-0D1A0B4855B8}"/>
+              </a:ext>
+            </a:extLst>
+          </p:cNvPr>
+          <p:cNvSpPr>
+            <a:spLocks noGrp="1"/>
+          </p:cNvSpPr>
+          <p:nvPr>
+            <p:ph idx="1"/>
+          </p:nvPr>
+        </p:nvSpPr>
+        <p:spPr/>
+        <p:txBody>
+          <a:bodyPr>
+            <a:normAutofit/>
+          </a:bodyPr>
+          <a:lstStyle/>
+          <a:p>
+            <a:pPr marL="0" indent="0">
+              <a:buNone/>
+            </a:pPr>
+            <a:endParaRPr kumimoji="1" lang="zh-TW" altLang="en-US" sz="2400" dirty="0"/>
+          </a:p>
+        </p:txBody>
+      </p:sp>
+    </p:spTree>
+    <p:extLst>
+      <p:ext uri="{BB962C8B-B14F-4D97-AF65-F5344CB8AC3E}">
+        <p14:creationId xmlns:p14="http://schemas.microsoft.com/office/powerpoint/2010/main" val="4246039536"/>
+      </p:ext>
+    </p:extLst>
+  </p:cSld>
+  <p:clrMapOvr>
+    <a:masterClrMapping/>
+  </p:clrMapOvr>
+</p:sld>
+</file>
+
 <file path=ppt/slides/slide2.xml><?xml version="1.0" encoding="utf-8"?>
 <p:sld xmlns:a="http://schemas.openxmlformats.org/drawingml/2006/main" xmlns:r="http://schemas.openxmlformats.org/officeDocument/2006/relationships" xmlns:p="http://schemas.openxmlformats.org/presentationml/2006/main">
   <p:cSld>
@@ -6113,7 +6209,12 @@
             <p:ph idx="1"/>
           </p:nvPr>
         </p:nvSpPr>
-        <p:spPr/>
+        <p:spPr>
+          <a:xfrm>
+            <a:off x="677334" y="1767049"/>
+            <a:ext cx="8596668" cy="3880773"/>
+          </a:xfrm>
+        </p:spPr>
         <p:txBody>
           <a:bodyPr/>
           <a:lstStyle/>
@@ -8496,6 +8597,361 @@
 </p:sld>
 </file>
 
+<file path=ppt/slides/slide9.xml><?xml version="1.0" encoding="utf-8"?>
+<p:sld xmlns:a="http://schemas.openxmlformats.org/drawingml/2006/main" xmlns:r="http://schemas.openxmlformats.org/officeDocument/2006/relationships" xmlns:p="http://schemas.openxmlformats.org/presentationml/2006/main">
+  <p:cSld>
+    <p:spTree>
+      <p:nvGrpSpPr>
+        <p:cNvPr id="1" name=""/>
+        <p:cNvGrpSpPr/>
+        <p:nvPr/>
+      </p:nvGrpSpPr>
+      <p:grpSpPr>
+        <a:xfrm>
+          <a:off x="0" y="0"/>
+          <a:ext cx="0" cy="0"/>
+          <a:chOff x="0" y="0"/>
+          <a:chExt cx="0" cy="0"/>
+        </a:xfrm>
+      </p:grpSpPr>
+      <p:sp>
+        <p:nvSpPr>
+          <p:cNvPr id="2" name="標題 1">
+            <a:extLst>
+              <a:ext uri="{FF2B5EF4-FFF2-40B4-BE49-F238E27FC236}">
+                <a16:creationId xmlns:a16="http://schemas.microsoft.com/office/drawing/2014/main" id="{5F1FB6BF-3E5D-E441-A2C3-56F841A498DA}"/>
+              </a:ext>
+            </a:extLst>
+          </p:cNvPr>
+          <p:cNvSpPr>
+            <a:spLocks noGrp="1"/>
+          </p:cNvSpPr>
+          <p:nvPr>
+            <p:ph type="title"/>
+          </p:nvPr>
+        </p:nvSpPr>
+        <p:spPr/>
+        <p:txBody>
+          <a:bodyPr/>
+          <a:lstStyle/>
+          <a:p>
+            <a:r>
+              <a:rPr kumimoji="1" lang="en-US" altLang="zh-TW" dirty="0"/>
+              <a:t>Test Melody</a:t>
+            </a:r>
+            <a:endParaRPr kumimoji="1" lang="zh-TW" altLang="en-US" dirty="0"/>
+          </a:p>
+        </p:txBody>
+      </p:sp>
+      <p:pic>
+        <p:nvPicPr>
+          <p:cNvPr id="5" name="內容版面配置區 4">
+            <a:extLst>
+              <a:ext uri="{FF2B5EF4-FFF2-40B4-BE49-F238E27FC236}">
+                <a16:creationId xmlns:a16="http://schemas.microsoft.com/office/drawing/2014/main" id="{DDF82252-B63B-704C-8B94-6F94604AB147}"/>
+              </a:ext>
+            </a:extLst>
+          </p:cNvPr>
+          <p:cNvPicPr>
+            <a:picLocks noGrp="1" noChangeAspect="1"/>
+          </p:cNvPicPr>
+          <p:nvPr>
+            <p:ph idx="1"/>
+          </p:nvPr>
+        </p:nvPicPr>
+        <p:blipFill>
+          <a:blip r:embed="rId2"/>
+          <a:stretch>
+            <a:fillRect/>
+          </a:stretch>
+        </p:blipFill>
+        <p:spPr>
+          <a:xfrm>
+            <a:off x="5158748" y="-10319"/>
+            <a:ext cx="7033252" cy="6868319"/>
+          </a:xfrm>
+        </p:spPr>
+      </p:pic>
+      <p:sp>
+        <p:nvSpPr>
+          <p:cNvPr id="7" name="內容版面配置區 2">
+            <a:extLst>
+              <a:ext uri="{FF2B5EF4-FFF2-40B4-BE49-F238E27FC236}">
+                <a16:creationId xmlns:a16="http://schemas.microsoft.com/office/drawing/2014/main" id="{77525703-EB3F-ED42-9FC3-56ABD72342C3}"/>
+              </a:ext>
+            </a:extLst>
+          </p:cNvPr>
+          <p:cNvSpPr txBox="1">
+            <a:spLocks/>
+          </p:cNvSpPr>
+          <p:nvPr/>
+        </p:nvSpPr>
+        <p:spPr>
+          <a:xfrm>
+            <a:off x="677334" y="1767049"/>
+            <a:ext cx="4230332" cy="3880773"/>
+          </a:xfrm>
+          <a:prstGeom prst="rect">
+            <a:avLst/>
+          </a:prstGeom>
+        </p:spPr>
+        <p:txBody>
+          <a:bodyPr vert="horz" lIns="91440" tIns="45720" rIns="91440" bIns="45720" rtlCol="0">
+            <a:normAutofit/>
+          </a:bodyPr>
+          <a:lstStyle>
+            <a:lvl1pPr marL="342900" indent="-342900" algn="l" defTabSz="457200" rtl="0" eaLnBrk="1" latinLnBrk="0" hangingPunct="1">
+              <a:spcBef>
+                <a:spcPts val="1000"/>
+              </a:spcBef>
+              <a:spcAft>
+                <a:spcPts val="0"/>
+              </a:spcAft>
+              <a:buClr>
+                <a:schemeClr val="accent1"/>
+              </a:buClr>
+              <a:buSzPct val="80000"/>
+              <a:buFont typeface="Wingdings 3" charset="2"/>
+              <a:buChar char=""/>
+              <a:defRPr sz="1800" kern="1200">
+                <a:solidFill>
+                  <a:schemeClr val="tx1">
+                    <a:lumMod val="75000"/>
+                    <a:lumOff val="25000"/>
+                  </a:schemeClr>
+                </a:solidFill>
+                <a:latin typeface="+mn-lt"/>
+                <a:ea typeface="+mn-ea"/>
+                <a:cs typeface="+mn-cs"/>
+              </a:defRPr>
+            </a:lvl1pPr>
+            <a:lvl2pPr marL="742950" indent="-285750" algn="l" defTabSz="457200" rtl="0" eaLnBrk="1" latinLnBrk="0" hangingPunct="1">
+              <a:spcBef>
+                <a:spcPts val="1000"/>
+              </a:spcBef>
+              <a:spcAft>
+                <a:spcPts val="0"/>
+              </a:spcAft>
+              <a:buClr>
+                <a:schemeClr val="accent1"/>
+              </a:buClr>
+              <a:buSzPct val="80000"/>
+              <a:buFont typeface="Wingdings 3" charset="2"/>
+              <a:buChar char=""/>
+              <a:defRPr sz="1600" kern="1200">
+                <a:solidFill>
+                  <a:schemeClr val="tx1">
+                    <a:lumMod val="75000"/>
+                    <a:lumOff val="25000"/>
+                  </a:schemeClr>
+                </a:solidFill>
+                <a:latin typeface="+mn-lt"/>
+                <a:ea typeface="+mn-ea"/>
+                <a:cs typeface="+mn-cs"/>
+              </a:defRPr>
+            </a:lvl2pPr>
+            <a:lvl3pPr marL="1143000" indent="-228600" algn="l" defTabSz="457200" rtl="0" eaLnBrk="1" latinLnBrk="0" hangingPunct="1">
+              <a:spcBef>
+                <a:spcPts val="1000"/>
+              </a:spcBef>
+              <a:spcAft>
+                <a:spcPts val="0"/>
+              </a:spcAft>
+              <a:buClr>
+                <a:schemeClr val="accent1"/>
+              </a:buClr>
+              <a:buSzPct val="80000"/>
+              <a:buFont typeface="Wingdings 3" charset="2"/>
+              <a:buChar char=""/>
+              <a:defRPr sz="1400" kern="1200">
+                <a:solidFill>
+                  <a:schemeClr val="tx1">
+                    <a:lumMod val="75000"/>
+                    <a:lumOff val="25000"/>
+                  </a:schemeClr>
+                </a:solidFill>
+                <a:latin typeface="+mn-lt"/>
+                <a:ea typeface="+mn-ea"/>
+                <a:cs typeface="+mn-cs"/>
+              </a:defRPr>
+            </a:lvl3pPr>
+            <a:lvl4pPr marL="1600200" indent="-228600" algn="l" defTabSz="457200" rtl="0" eaLnBrk="1" latinLnBrk="0" hangingPunct="1">
+              <a:spcBef>
+                <a:spcPts val="1000"/>
+              </a:spcBef>
+              <a:spcAft>
+                <a:spcPts val="0"/>
+              </a:spcAft>
+              <a:buClr>
+                <a:schemeClr val="accent1"/>
+              </a:buClr>
+              <a:buSzPct val="80000"/>
+              <a:buFont typeface="Wingdings 3" charset="2"/>
+              <a:buChar char=""/>
+              <a:defRPr sz="1200" kern="1200">
+                <a:solidFill>
+                  <a:schemeClr val="tx1">
+                    <a:lumMod val="75000"/>
+                    <a:lumOff val="25000"/>
+                  </a:schemeClr>
+                </a:solidFill>
+                <a:latin typeface="+mn-lt"/>
+                <a:ea typeface="+mn-ea"/>
+                <a:cs typeface="+mn-cs"/>
+              </a:defRPr>
+            </a:lvl4pPr>
+            <a:lvl5pPr marL="2057400" indent="-228600" algn="l" defTabSz="457200" rtl="0" eaLnBrk="1" latinLnBrk="0" hangingPunct="1">
+              <a:spcBef>
+                <a:spcPts val="1000"/>
+              </a:spcBef>
+              <a:spcAft>
+                <a:spcPts val="0"/>
+              </a:spcAft>
+              <a:buClr>
+                <a:schemeClr val="accent1"/>
+              </a:buClr>
+              <a:buSzPct val="80000"/>
+              <a:buFont typeface="Wingdings 3" charset="2"/>
+              <a:buChar char=""/>
+              <a:defRPr sz="1200" kern="1200">
+                <a:solidFill>
+                  <a:schemeClr val="tx1">
+                    <a:lumMod val="75000"/>
+                    <a:lumOff val="25000"/>
+                  </a:schemeClr>
+                </a:solidFill>
+                <a:latin typeface="+mn-lt"/>
+                <a:ea typeface="+mn-ea"/>
+                <a:cs typeface="+mn-cs"/>
+              </a:defRPr>
+            </a:lvl5pPr>
+            <a:lvl6pPr marL="2514600" indent="-228600" algn="l" defTabSz="457200" rtl="0" eaLnBrk="1" latinLnBrk="0" hangingPunct="1">
+              <a:spcBef>
+                <a:spcPts val="1000"/>
+              </a:spcBef>
+              <a:spcAft>
+                <a:spcPts val="0"/>
+              </a:spcAft>
+              <a:buClr>
+                <a:schemeClr val="accent1"/>
+              </a:buClr>
+              <a:buSzPct val="80000"/>
+              <a:buFont typeface="Wingdings 3" charset="2"/>
+              <a:buChar char=""/>
+              <a:defRPr sz="1200" kern="1200">
+                <a:solidFill>
+                  <a:schemeClr val="tx1">
+                    <a:lumMod val="75000"/>
+                    <a:lumOff val="25000"/>
+                  </a:schemeClr>
+                </a:solidFill>
+                <a:latin typeface="+mn-lt"/>
+                <a:ea typeface="+mn-ea"/>
+                <a:cs typeface="+mn-cs"/>
+              </a:defRPr>
+            </a:lvl6pPr>
+            <a:lvl7pPr marL="2971800" indent="-228600" algn="l" defTabSz="457200" rtl="0" eaLnBrk="1" latinLnBrk="0" hangingPunct="1">
+              <a:spcBef>
+                <a:spcPts val="1000"/>
+              </a:spcBef>
+              <a:spcAft>
+                <a:spcPts val="0"/>
+              </a:spcAft>
+              <a:buClr>
+                <a:schemeClr val="accent1"/>
+              </a:buClr>
+              <a:buSzPct val="80000"/>
+              <a:buFont typeface="Wingdings 3" charset="2"/>
+              <a:buChar char=""/>
+              <a:defRPr sz="1200" kern="1200">
+                <a:solidFill>
+                  <a:schemeClr val="tx1">
+                    <a:lumMod val="75000"/>
+                    <a:lumOff val="25000"/>
+                  </a:schemeClr>
+                </a:solidFill>
+                <a:latin typeface="+mn-lt"/>
+                <a:ea typeface="+mn-ea"/>
+                <a:cs typeface="+mn-cs"/>
+              </a:defRPr>
+            </a:lvl7pPr>
+            <a:lvl8pPr marL="3429000" indent="-228600" algn="l" defTabSz="457200" rtl="0" eaLnBrk="1" latinLnBrk="0" hangingPunct="1">
+              <a:spcBef>
+                <a:spcPts val="1000"/>
+              </a:spcBef>
+              <a:spcAft>
+                <a:spcPts val="0"/>
+              </a:spcAft>
+              <a:buClr>
+                <a:schemeClr val="accent1"/>
+              </a:buClr>
+              <a:buSzPct val="80000"/>
+              <a:buFont typeface="Wingdings 3" charset="2"/>
+              <a:buChar char=""/>
+              <a:defRPr sz="1200" kern="1200">
+                <a:solidFill>
+                  <a:schemeClr val="tx1">
+                    <a:lumMod val="75000"/>
+                    <a:lumOff val="25000"/>
+                  </a:schemeClr>
+                </a:solidFill>
+                <a:latin typeface="+mn-lt"/>
+                <a:ea typeface="+mn-ea"/>
+                <a:cs typeface="+mn-cs"/>
+              </a:defRPr>
+            </a:lvl8pPr>
+            <a:lvl9pPr marL="3886200" indent="-228600" algn="l" defTabSz="457200" rtl="0" eaLnBrk="1" latinLnBrk="0" hangingPunct="1">
+              <a:spcBef>
+                <a:spcPts val="1000"/>
+              </a:spcBef>
+              <a:spcAft>
+                <a:spcPts val="0"/>
+              </a:spcAft>
+              <a:buClr>
+                <a:schemeClr val="accent1"/>
+              </a:buClr>
+              <a:buSzPct val="80000"/>
+              <a:buFont typeface="Wingdings 3" charset="2"/>
+              <a:buChar char=""/>
+              <a:defRPr sz="1200" kern="1200">
+                <a:solidFill>
+                  <a:schemeClr val="tx1">
+                    <a:lumMod val="75000"/>
+                    <a:lumOff val="25000"/>
+                  </a:schemeClr>
+                </a:solidFill>
+                <a:latin typeface="+mn-lt"/>
+                <a:ea typeface="+mn-ea"/>
+                <a:cs typeface="+mn-cs"/>
+              </a:defRPr>
+            </a:lvl9pPr>
+          </a:lstStyle>
+          <a:p>
+            <a:r>
+              <a:rPr kumimoji="1" lang="en-US" altLang="zh-TW" sz="2400" dirty="0"/>
+              <a:t>Better than </a:t>
+            </a:r>
+            <a:r>
+              <a:rPr kumimoji="1" lang="en-US" altLang="zh-TW" sz="2400" dirty="0" err="1"/>
+              <a:t>Chomagram</a:t>
+            </a:r>
+            <a:endParaRPr kumimoji="1" lang="en-US" altLang="zh-TW" sz="2400" dirty="0"/>
+          </a:p>
+        </p:txBody>
+      </p:sp>
+    </p:spTree>
+    <p:extLst>
+      <p:ext uri="{BB962C8B-B14F-4D97-AF65-F5344CB8AC3E}">
+        <p14:creationId xmlns:p14="http://schemas.microsoft.com/office/powerpoint/2010/main" val="762102480"/>
+      </p:ext>
+    </p:extLst>
+  </p:cSld>
+  <p:clrMapOvr>
+    <a:masterClrMapping/>
+  </p:clrMapOvr>
+</p:sld>
+</file>
+
 <file path=ppt/theme/theme1.xml><?xml version="1.0" encoding="utf-8"?>
 <a:theme xmlns:a="http://schemas.openxmlformats.org/drawingml/2006/main" name="多面向">
   <a:themeElements>
